--- a/ppt 16-9/0205.在伯利恒旷野.pptx
+++ b/ppt 16-9/0205.在伯利恒旷野.pptx
@@ -129,7 +129,7 @@
           <p:cNvPr id="2" name="标题 1">
             <a:extLst>
               <a:ext uri="{FF2B5EF4-FFF2-40B4-BE49-F238E27FC236}">
-                <a16:creationId xmlns:a16="http://schemas.microsoft.com/office/drawing/2014/main" id="{D2EBB499-0C0B-0514-661F-CB2F709DD095}"/>
+                <a16:creationId xmlns:a16="http://schemas.microsoft.com/office/drawing/2014/main" id="{E8BCBEAC-6FAD-CD07-579A-8E4BE6920C8D}"/>
               </a:ext>
             </a:extLst>
           </p:cNvPr>
@@ -166,7 +166,7 @@
           <p:cNvPr id="3" name="副标题 2">
             <a:extLst>
               <a:ext uri="{FF2B5EF4-FFF2-40B4-BE49-F238E27FC236}">
-                <a16:creationId xmlns:a16="http://schemas.microsoft.com/office/drawing/2014/main" id="{9DB55543-631E-41E1-261C-732EBEFFBE53}"/>
+                <a16:creationId xmlns:a16="http://schemas.microsoft.com/office/drawing/2014/main" id="{A1E4B206-E2D7-8016-2DA5-FA6735D776E3}"/>
               </a:ext>
             </a:extLst>
           </p:cNvPr>
@@ -236,7 +236,7 @@
           <p:cNvPr id="4" name="日期占位符 3">
             <a:extLst>
               <a:ext uri="{FF2B5EF4-FFF2-40B4-BE49-F238E27FC236}">
-                <a16:creationId xmlns:a16="http://schemas.microsoft.com/office/drawing/2014/main" id="{F9E40B5F-51F3-F6E1-5C10-FE8D299C302E}"/>
+                <a16:creationId xmlns:a16="http://schemas.microsoft.com/office/drawing/2014/main" id="{4EC15FE4-FB08-9F43-60D9-F377CED9677C}"/>
               </a:ext>
             </a:extLst>
           </p:cNvPr>
@@ -252,7 +252,7 @@
           <a:bodyPr/>
           <a:lstStyle/>
           <a:p>
-            <a:fld id="{071E1961-E3C9-47AA-A0E7-3C03B95E6EE3}" type="datetimeFigureOut">
+            <a:fld id="{BB17FAE9-C3DF-4F6E-9776-D7FB675D4154}" type="datetimeFigureOut">
               <a:rPr lang="zh-CN" altLang="en-US" smtClean="0"/>
               <a:t>2024/3/10</a:t>
             </a:fld>
@@ -265,7 +265,7 @@
           <p:cNvPr id="5" name="页脚占位符 4">
             <a:extLst>
               <a:ext uri="{FF2B5EF4-FFF2-40B4-BE49-F238E27FC236}">
-                <a16:creationId xmlns:a16="http://schemas.microsoft.com/office/drawing/2014/main" id="{0939FC20-15FD-C55C-0B44-DDAE57E96615}"/>
+                <a16:creationId xmlns:a16="http://schemas.microsoft.com/office/drawing/2014/main" id="{294F7548-FDCB-310C-9155-5244315A8A77}"/>
               </a:ext>
             </a:extLst>
           </p:cNvPr>
@@ -290,7 +290,7 @@
           <p:cNvPr id="6" name="灯片编号占位符 5">
             <a:extLst>
               <a:ext uri="{FF2B5EF4-FFF2-40B4-BE49-F238E27FC236}">
-                <a16:creationId xmlns:a16="http://schemas.microsoft.com/office/drawing/2014/main" id="{75B9EBE3-3BA5-08F2-F613-F21823E160E9}"/>
+                <a16:creationId xmlns:a16="http://schemas.microsoft.com/office/drawing/2014/main" id="{A9C7360D-51A9-C44C-CB44-D5E321F8C3D1}"/>
               </a:ext>
             </a:extLst>
           </p:cNvPr>
@@ -306,7 +306,7 @@
           <a:bodyPr/>
           <a:lstStyle/>
           <a:p>
-            <a:fld id="{18D37A1C-83F0-4AD9-AA7E-317C4B6D7C0A}" type="slidenum">
+            <a:fld id="{305A8EC4-61DF-4ABA-89A3-169075D6F986}" type="slidenum">
               <a:rPr lang="zh-CN" altLang="en-US" smtClean="0"/>
               <a:t>‹#›</a:t>
             </a:fld>
@@ -317,7 +317,7 @@
     </p:spTree>
     <p:extLst>
       <p:ext uri="{BB962C8B-B14F-4D97-AF65-F5344CB8AC3E}">
-        <p14:creationId xmlns:p14="http://schemas.microsoft.com/office/powerpoint/2010/main" val="384894816"/>
+        <p14:creationId xmlns:p14="http://schemas.microsoft.com/office/powerpoint/2010/main" val="171910810"/>
       </p:ext>
     </p:extLst>
   </p:cSld>
@@ -349,7 +349,7 @@
           <p:cNvPr id="2" name="标题 1">
             <a:extLst>
               <a:ext uri="{FF2B5EF4-FFF2-40B4-BE49-F238E27FC236}">
-                <a16:creationId xmlns:a16="http://schemas.microsoft.com/office/drawing/2014/main" id="{9EB0D343-FF59-04DD-2E25-B928F315409D}"/>
+                <a16:creationId xmlns:a16="http://schemas.microsoft.com/office/drawing/2014/main" id="{BE6FF89C-369D-039C-B29B-E88605F820C7}"/>
               </a:ext>
             </a:extLst>
           </p:cNvPr>
@@ -377,7 +377,7 @@
           <p:cNvPr id="3" name="竖排文字占位符 2">
             <a:extLst>
               <a:ext uri="{FF2B5EF4-FFF2-40B4-BE49-F238E27FC236}">
-                <a16:creationId xmlns:a16="http://schemas.microsoft.com/office/drawing/2014/main" id="{2D6CF77C-8646-9781-F689-9EED5A2EA76A}"/>
+                <a16:creationId xmlns:a16="http://schemas.microsoft.com/office/drawing/2014/main" id="{38A03892-0ED4-E00B-9AFE-7B4DD39D18A1}"/>
               </a:ext>
             </a:extLst>
           </p:cNvPr>
@@ -434,7 +434,7 @@
           <p:cNvPr id="4" name="日期占位符 3">
             <a:extLst>
               <a:ext uri="{FF2B5EF4-FFF2-40B4-BE49-F238E27FC236}">
-                <a16:creationId xmlns:a16="http://schemas.microsoft.com/office/drawing/2014/main" id="{65C21FF8-A40F-5CF6-916A-E56234B34867}"/>
+                <a16:creationId xmlns:a16="http://schemas.microsoft.com/office/drawing/2014/main" id="{40CCA659-CFDC-A40D-7315-DCDFB68B9D5C}"/>
               </a:ext>
             </a:extLst>
           </p:cNvPr>
@@ -450,7 +450,7 @@
           <a:bodyPr/>
           <a:lstStyle/>
           <a:p>
-            <a:fld id="{071E1961-E3C9-47AA-A0E7-3C03B95E6EE3}" type="datetimeFigureOut">
+            <a:fld id="{BB17FAE9-C3DF-4F6E-9776-D7FB675D4154}" type="datetimeFigureOut">
               <a:rPr lang="zh-CN" altLang="en-US" smtClean="0"/>
               <a:t>2024/3/10</a:t>
             </a:fld>
@@ -463,7 +463,7 @@
           <p:cNvPr id="5" name="页脚占位符 4">
             <a:extLst>
               <a:ext uri="{FF2B5EF4-FFF2-40B4-BE49-F238E27FC236}">
-                <a16:creationId xmlns:a16="http://schemas.microsoft.com/office/drawing/2014/main" id="{D7DD0025-D39A-3AB9-F965-F88D103F9ED1}"/>
+                <a16:creationId xmlns:a16="http://schemas.microsoft.com/office/drawing/2014/main" id="{E64023DA-9930-BF22-DF1E-70B9B9FC3D73}"/>
               </a:ext>
             </a:extLst>
           </p:cNvPr>
@@ -488,7 +488,7 @@
           <p:cNvPr id="6" name="灯片编号占位符 5">
             <a:extLst>
               <a:ext uri="{FF2B5EF4-FFF2-40B4-BE49-F238E27FC236}">
-                <a16:creationId xmlns:a16="http://schemas.microsoft.com/office/drawing/2014/main" id="{C2DC94D7-32AE-638A-E6E7-BAABA9694298}"/>
+                <a16:creationId xmlns:a16="http://schemas.microsoft.com/office/drawing/2014/main" id="{A37C7348-E3A5-73F9-5EB3-2C6C301A46A7}"/>
               </a:ext>
             </a:extLst>
           </p:cNvPr>
@@ -504,7 +504,7 @@
           <a:bodyPr/>
           <a:lstStyle/>
           <a:p>
-            <a:fld id="{18D37A1C-83F0-4AD9-AA7E-317C4B6D7C0A}" type="slidenum">
+            <a:fld id="{305A8EC4-61DF-4ABA-89A3-169075D6F986}" type="slidenum">
               <a:rPr lang="zh-CN" altLang="en-US" smtClean="0"/>
               <a:t>‹#›</a:t>
             </a:fld>
@@ -515,7 +515,7 @@
     </p:spTree>
     <p:extLst>
       <p:ext uri="{BB962C8B-B14F-4D97-AF65-F5344CB8AC3E}">
-        <p14:creationId xmlns:p14="http://schemas.microsoft.com/office/powerpoint/2010/main" val="1892034249"/>
+        <p14:creationId xmlns:p14="http://schemas.microsoft.com/office/powerpoint/2010/main" val="1236448193"/>
       </p:ext>
     </p:extLst>
   </p:cSld>
@@ -547,7 +547,7 @@
           <p:cNvPr id="2" name="竖排标题 1">
             <a:extLst>
               <a:ext uri="{FF2B5EF4-FFF2-40B4-BE49-F238E27FC236}">
-                <a16:creationId xmlns:a16="http://schemas.microsoft.com/office/drawing/2014/main" id="{DBF1099B-871D-A7E3-7B71-076CDB87513F}"/>
+                <a16:creationId xmlns:a16="http://schemas.microsoft.com/office/drawing/2014/main" id="{64E8BBFB-5669-0ADB-038E-16722EB07EFB}"/>
               </a:ext>
             </a:extLst>
           </p:cNvPr>
@@ -580,7 +580,7 @@
           <p:cNvPr id="3" name="竖排文字占位符 2">
             <a:extLst>
               <a:ext uri="{FF2B5EF4-FFF2-40B4-BE49-F238E27FC236}">
-                <a16:creationId xmlns:a16="http://schemas.microsoft.com/office/drawing/2014/main" id="{120B75DE-6AF4-7571-EA7C-E44BA23B9E62}"/>
+                <a16:creationId xmlns:a16="http://schemas.microsoft.com/office/drawing/2014/main" id="{561BAEC0-77CC-2855-4577-C4000B08808A}"/>
               </a:ext>
             </a:extLst>
           </p:cNvPr>
@@ -642,7 +642,7 @@
           <p:cNvPr id="4" name="日期占位符 3">
             <a:extLst>
               <a:ext uri="{FF2B5EF4-FFF2-40B4-BE49-F238E27FC236}">
-                <a16:creationId xmlns:a16="http://schemas.microsoft.com/office/drawing/2014/main" id="{1F1B2414-49AF-8191-5CCC-AF47C374B6EA}"/>
+                <a16:creationId xmlns:a16="http://schemas.microsoft.com/office/drawing/2014/main" id="{58BFF2AF-B31A-BC7F-39A5-7422D7E13DBB}"/>
               </a:ext>
             </a:extLst>
           </p:cNvPr>
@@ -658,7 +658,7 @@
           <a:bodyPr/>
           <a:lstStyle/>
           <a:p>
-            <a:fld id="{071E1961-E3C9-47AA-A0E7-3C03B95E6EE3}" type="datetimeFigureOut">
+            <a:fld id="{BB17FAE9-C3DF-4F6E-9776-D7FB675D4154}" type="datetimeFigureOut">
               <a:rPr lang="zh-CN" altLang="en-US" smtClean="0"/>
               <a:t>2024/3/10</a:t>
             </a:fld>
@@ -671,7 +671,7 @@
           <p:cNvPr id="5" name="页脚占位符 4">
             <a:extLst>
               <a:ext uri="{FF2B5EF4-FFF2-40B4-BE49-F238E27FC236}">
-                <a16:creationId xmlns:a16="http://schemas.microsoft.com/office/drawing/2014/main" id="{D6BDE797-1B2C-262D-2128-D1399321B7AF}"/>
+                <a16:creationId xmlns:a16="http://schemas.microsoft.com/office/drawing/2014/main" id="{527EC47F-9D37-6ABC-81C1-B64B851F25F4}"/>
               </a:ext>
             </a:extLst>
           </p:cNvPr>
@@ -696,7 +696,7 @@
           <p:cNvPr id="6" name="灯片编号占位符 5">
             <a:extLst>
               <a:ext uri="{FF2B5EF4-FFF2-40B4-BE49-F238E27FC236}">
-                <a16:creationId xmlns:a16="http://schemas.microsoft.com/office/drawing/2014/main" id="{085AE8B2-B911-4F16-42A7-F52F8A52D1AE}"/>
+                <a16:creationId xmlns:a16="http://schemas.microsoft.com/office/drawing/2014/main" id="{76E7D32D-C3BA-5027-83F8-09C8FEC576AD}"/>
               </a:ext>
             </a:extLst>
           </p:cNvPr>
@@ -712,7 +712,7 @@
           <a:bodyPr/>
           <a:lstStyle/>
           <a:p>
-            <a:fld id="{18D37A1C-83F0-4AD9-AA7E-317C4B6D7C0A}" type="slidenum">
+            <a:fld id="{305A8EC4-61DF-4ABA-89A3-169075D6F986}" type="slidenum">
               <a:rPr lang="zh-CN" altLang="en-US" smtClean="0"/>
               <a:t>‹#›</a:t>
             </a:fld>
@@ -723,7 +723,7 @@
     </p:spTree>
     <p:extLst>
       <p:ext uri="{BB962C8B-B14F-4D97-AF65-F5344CB8AC3E}">
-        <p14:creationId xmlns:p14="http://schemas.microsoft.com/office/powerpoint/2010/main" val="4177723759"/>
+        <p14:creationId xmlns:p14="http://schemas.microsoft.com/office/powerpoint/2010/main" val="3327493365"/>
       </p:ext>
     </p:extLst>
   </p:cSld>
@@ -755,7 +755,7 @@
           <p:cNvPr id="2" name="标题 1">
             <a:extLst>
               <a:ext uri="{FF2B5EF4-FFF2-40B4-BE49-F238E27FC236}">
-                <a16:creationId xmlns:a16="http://schemas.microsoft.com/office/drawing/2014/main" id="{0AC04182-C318-B41E-80D9-A142872EBA93}"/>
+                <a16:creationId xmlns:a16="http://schemas.microsoft.com/office/drawing/2014/main" id="{5CE4F511-6931-622A-FDF4-AA0093F28250}"/>
               </a:ext>
             </a:extLst>
           </p:cNvPr>
@@ -783,7 +783,7 @@
           <p:cNvPr id="3" name="内容占位符 2">
             <a:extLst>
               <a:ext uri="{FF2B5EF4-FFF2-40B4-BE49-F238E27FC236}">
-                <a16:creationId xmlns:a16="http://schemas.microsoft.com/office/drawing/2014/main" id="{4D8F56C7-1E0E-0810-2452-E0D5F9E49978}"/>
+                <a16:creationId xmlns:a16="http://schemas.microsoft.com/office/drawing/2014/main" id="{3E3DBBBD-1560-1947-F5C9-98B2C163875F}"/>
               </a:ext>
             </a:extLst>
           </p:cNvPr>
@@ -840,7 +840,7 @@
           <p:cNvPr id="4" name="日期占位符 3">
             <a:extLst>
               <a:ext uri="{FF2B5EF4-FFF2-40B4-BE49-F238E27FC236}">
-                <a16:creationId xmlns:a16="http://schemas.microsoft.com/office/drawing/2014/main" id="{9AC8D8DC-B2F1-8A6B-9CF0-B38A646ADCEB}"/>
+                <a16:creationId xmlns:a16="http://schemas.microsoft.com/office/drawing/2014/main" id="{74804A68-69B0-FBDB-DEA5-E61F68B3B6B6}"/>
               </a:ext>
             </a:extLst>
           </p:cNvPr>
@@ -856,7 +856,7 @@
           <a:bodyPr/>
           <a:lstStyle/>
           <a:p>
-            <a:fld id="{071E1961-E3C9-47AA-A0E7-3C03B95E6EE3}" type="datetimeFigureOut">
+            <a:fld id="{BB17FAE9-C3DF-4F6E-9776-D7FB675D4154}" type="datetimeFigureOut">
               <a:rPr lang="zh-CN" altLang="en-US" smtClean="0"/>
               <a:t>2024/3/10</a:t>
             </a:fld>
@@ -869,7 +869,7 @@
           <p:cNvPr id="5" name="页脚占位符 4">
             <a:extLst>
               <a:ext uri="{FF2B5EF4-FFF2-40B4-BE49-F238E27FC236}">
-                <a16:creationId xmlns:a16="http://schemas.microsoft.com/office/drawing/2014/main" id="{D224BE66-C24A-E5E0-87EA-389017DD11CF}"/>
+                <a16:creationId xmlns:a16="http://schemas.microsoft.com/office/drawing/2014/main" id="{84F53216-AE4E-D17C-3907-857F580348ED}"/>
               </a:ext>
             </a:extLst>
           </p:cNvPr>
@@ -894,7 +894,7 @@
           <p:cNvPr id="6" name="灯片编号占位符 5">
             <a:extLst>
               <a:ext uri="{FF2B5EF4-FFF2-40B4-BE49-F238E27FC236}">
-                <a16:creationId xmlns:a16="http://schemas.microsoft.com/office/drawing/2014/main" id="{EF4610D4-9963-C32B-389F-5FA1C39CA09B}"/>
+                <a16:creationId xmlns:a16="http://schemas.microsoft.com/office/drawing/2014/main" id="{98469DF5-CCE6-315F-5C1B-1F7DB34C433A}"/>
               </a:ext>
             </a:extLst>
           </p:cNvPr>
@@ -910,7 +910,7 @@
           <a:bodyPr/>
           <a:lstStyle/>
           <a:p>
-            <a:fld id="{18D37A1C-83F0-4AD9-AA7E-317C4B6D7C0A}" type="slidenum">
+            <a:fld id="{305A8EC4-61DF-4ABA-89A3-169075D6F986}" type="slidenum">
               <a:rPr lang="zh-CN" altLang="en-US" smtClean="0"/>
               <a:t>‹#›</a:t>
             </a:fld>
@@ -921,7 +921,7 @@
     </p:spTree>
     <p:extLst>
       <p:ext uri="{BB962C8B-B14F-4D97-AF65-F5344CB8AC3E}">
-        <p14:creationId xmlns:p14="http://schemas.microsoft.com/office/powerpoint/2010/main" val="632958895"/>
+        <p14:creationId xmlns:p14="http://schemas.microsoft.com/office/powerpoint/2010/main" val="3495513874"/>
       </p:ext>
     </p:extLst>
   </p:cSld>
@@ -953,7 +953,7 @@
           <p:cNvPr id="2" name="标题 1">
             <a:extLst>
               <a:ext uri="{FF2B5EF4-FFF2-40B4-BE49-F238E27FC236}">
-                <a16:creationId xmlns:a16="http://schemas.microsoft.com/office/drawing/2014/main" id="{3C744B90-F486-DE36-637E-66E28D7DC3EE}"/>
+                <a16:creationId xmlns:a16="http://schemas.microsoft.com/office/drawing/2014/main" id="{EA871237-1E53-FC69-C990-05D57531049D}"/>
               </a:ext>
             </a:extLst>
           </p:cNvPr>
@@ -990,7 +990,7 @@
           <p:cNvPr id="3" name="文本占位符 2">
             <a:extLst>
               <a:ext uri="{FF2B5EF4-FFF2-40B4-BE49-F238E27FC236}">
-                <a16:creationId xmlns:a16="http://schemas.microsoft.com/office/drawing/2014/main" id="{6247B62E-BCAC-8F2B-7294-3AC532B93009}"/>
+                <a16:creationId xmlns:a16="http://schemas.microsoft.com/office/drawing/2014/main" id="{5118FB54-8B32-ACC1-A122-095B80BFC593}"/>
               </a:ext>
             </a:extLst>
           </p:cNvPr>
@@ -1115,7 +1115,7 @@
           <p:cNvPr id="4" name="日期占位符 3">
             <a:extLst>
               <a:ext uri="{FF2B5EF4-FFF2-40B4-BE49-F238E27FC236}">
-                <a16:creationId xmlns:a16="http://schemas.microsoft.com/office/drawing/2014/main" id="{2ADFBB5D-364F-E311-3C0C-ED6CFC7D2E73}"/>
+                <a16:creationId xmlns:a16="http://schemas.microsoft.com/office/drawing/2014/main" id="{BD297A0F-72EE-E52D-BEC0-92F0E18A21EC}"/>
               </a:ext>
             </a:extLst>
           </p:cNvPr>
@@ -1131,7 +1131,7 @@
           <a:bodyPr/>
           <a:lstStyle/>
           <a:p>
-            <a:fld id="{071E1961-E3C9-47AA-A0E7-3C03B95E6EE3}" type="datetimeFigureOut">
+            <a:fld id="{BB17FAE9-C3DF-4F6E-9776-D7FB675D4154}" type="datetimeFigureOut">
               <a:rPr lang="zh-CN" altLang="en-US" smtClean="0"/>
               <a:t>2024/3/10</a:t>
             </a:fld>
@@ -1144,7 +1144,7 @@
           <p:cNvPr id="5" name="页脚占位符 4">
             <a:extLst>
               <a:ext uri="{FF2B5EF4-FFF2-40B4-BE49-F238E27FC236}">
-                <a16:creationId xmlns:a16="http://schemas.microsoft.com/office/drawing/2014/main" id="{69EBE7E4-0869-88A0-D3E8-AB2FF3954C7B}"/>
+                <a16:creationId xmlns:a16="http://schemas.microsoft.com/office/drawing/2014/main" id="{1FA0877F-002D-1D90-AC65-88DA13733587}"/>
               </a:ext>
             </a:extLst>
           </p:cNvPr>
@@ -1169,7 +1169,7 @@
           <p:cNvPr id="6" name="灯片编号占位符 5">
             <a:extLst>
               <a:ext uri="{FF2B5EF4-FFF2-40B4-BE49-F238E27FC236}">
-                <a16:creationId xmlns:a16="http://schemas.microsoft.com/office/drawing/2014/main" id="{3055300F-46A1-0254-0F92-9A3FDA4371AC}"/>
+                <a16:creationId xmlns:a16="http://schemas.microsoft.com/office/drawing/2014/main" id="{386C2962-CFA9-617C-8009-CCFD5CA6EA54}"/>
               </a:ext>
             </a:extLst>
           </p:cNvPr>
@@ -1185,7 +1185,7 @@
           <a:bodyPr/>
           <a:lstStyle/>
           <a:p>
-            <a:fld id="{18D37A1C-83F0-4AD9-AA7E-317C4B6D7C0A}" type="slidenum">
+            <a:fld id="{305A8EC4-61DF-4ABA-89A3-169075D6F986}" type="slidenum">
               <a:rPr lang="zh-CN" altLang="en-US" smtClean="0"/>
               <a:t>‹#›</a:t>
             </a:fld>
@@ -1196,7 +1196,7 @@
     </p:spTree>
     <p:extLst>
       <p:ext uri="{BB962C8B-B14F-4D97-AF65-F5344CB8AC3E}">
-        <p14:creationId xmlns:p14="http://schemas.microsoft.com/office/powerpoint/2010/main" val="2527323955"/>
+        <p14:creationId xmlns:p14="http://schemas.microsoft.com/office/powerpoint/2010/main" val="4084059987"/>
       </p:ext>
     </p:extLst>
   </p:cSld>
@@ -1228,7 +1228,7 @@
           <p:cNvPr id="2" name="标题 1">
             <a:extLst>
               <a:ext uri="{FF2B5EF4-FFF2-40B4-BE49-F238E27FC236}">
-                <a16:creationId xmlns:a16="http://schemas.microsoft.com/office/drawing/2014/main" id="{B01EBFC2-1FD8-DA84-8005-6A06B75E85A4}"/>
+                <a16:creationId xmlns:a16="http://schemas.microsoft.com/office/drawing/2014/main" id="{D35A393A-9C61-7269-74CA-D4FA23253F25}"/>
               </a:ext>
             </a:extLst>
           </p:cNvPr>
@@ -1256,7 +1256,7 @@
           <p:cNvPr id="3" name="内容占位符 2">
             <a:extLst>
               <a:ext uri="{FF2B5EF4-FFF2-40B4-BE49-F238E27FC236}">
-                <a16:creationId xmlns:a16="http://schemas.microsoft.com/office/drawing/2014/main" id="{9731BFFB-926B-DB6A-A749-37D29CEE3995}"/>
+                <a16:creationId xmlns:a16="http://schemas.microsoft.com/office/drawing/2014/main" id="{44E8D26A-EAB9-2CFF-9AD4-604F2AA0FF4E}"/>
               </a:ext>
             </a:extLst>
           </p:cNvPr>
@@ -1318,7 +1318,7 @@
           <p:cNvPr id="4" name="内容占位符 3">
             <a:extLst>
               <a:ext uri="{FF2B5EF4-FFF2-40B4-BE49-F238E27FC236}">
-                <a16:creationId xmlns:a16="http://schemas.microsoft.com/office/drawing/2014/main" id="{60688BB7-B3EC-D4C9-6125-67E49C813D31}"/>
+                <a16:creationId xmlns:a16="http://schemas.microsoft.com/office/drawing/2014/main" id="{E7277A0F-17D2-C9CC-9BDA-5AF84D50AD2F}"/>
               </a:ext>
             </a:extLst>
           </p:cNvPr>
@@ -1380,7 +1380,7 @@
           <p:cNvPr id="5" name="日期占位符 4">
             <a:extLst>
               <a:ext uri="{FF2B5EF4-FFF2-40B4-BE49-F238E27FC236}">
-                <a16:creationId xmlns:a16="http://schemas.microsoft.com/office/drawing/2014/main" id="{6CDBD7A1-8A94-2E90-3017-D6C138C63493}"/>
+                <a16:creationId xmlns:a16="http://schemas.microsoft.com/office/drawing/2014/main" id="{A799249F-DBBC-CD0B-BE63-74802E4F9672}"/>
               </a:ext>
             </a:extLst>
           </p:cNvPr>
@@ -1396,7 +1396,7 @@
           <a:bodyPr/>
           <a:lstStyle/>
           <a:p>
-            <a:fld id="{071E1961-E3C9-47AA-A0E7-3C03B95E6EE3}" type="datetimeFigureOut">
+            <a:fld id="{BB17FAE9-C3DF-4F6E-9776-D7FB675D4154}" type="datetimeFigureOut">
               <a:rPr lang="zh-CN" altLang="en-US" smtClean="0"/>
               <a:t>2024/3/10</a:t>
             </a:fld>
@@ -1409,7 +1409,7 @@
           <p:cNvPr id="6" name="页脚占位符 5">
             <a:extLst>
               <a:ext uri="{FF2B5EF4-FFF2-40B4-BE49-F238E27FC236}">
-                <a16:creationId xmlns:a16="http://schemas.microsoft.com/office/drawing/2014/main" id="{9F875904-A3C7-C16B-C95F-4BE78E7474B3}"/>
+                <a16:creationId xmlns:a16="http://schemas.microsoft.com/office/drawing/2014/main" id="{1A5AB42D-5408-A570-FE9A-435C466D24FD}"/>
               </a:ext>
             </a:extLst>
           </p:cNvPr>
@@ -1434,7 +1434,7 @@
           <p:cNvPr id="7" name="灯片编号占位符 6">
             <a:extLst>
               <a:ext uri="{FF2B5EF4-FFF2-40B4-BE49-F238E27FC236}">
-                <a16:creationId xmlns:a16="http://schemas.microsoft.com/office/drawing/2014/main" id="{55F5CA9B-B225-FC36-8A92-FA1B7886861D}"/>
+                <a16:creationId xmlns:a16="http://schemas.microsoft.com/office/drawing/2014/main" id="{70B83D3F-97ED-3E91-58B5-94604438E862}"/>
               </a:ext>
             </a:extLst>
           </p:cNvPr>
@@ -1450,7 +1450,7 @@
           <a:bodyPr/>
           <a:lstStyle/>
           <a:p>
-            <a:fld id="{18D37A1C-83F0-4AD9-AA7E-317C4B6D7C0A}" type="slidenum">
+            <a:fld id="{305A8EC4-61DF-4ABA-89A3-169075D6F986}" type="slidenum">
               <a:rPr lang="zh-CN" altLang="en-US" smtClean="0"/>
               <a:t>‹#›</a:t>
             </a:fld>
@@ -1461,7 +1461,7 @@
     </p:spTree>
     <p:extLst>
       <p:ext uri="{BB962C8B-B14F-4D97-AF65-F5344CB8AC3E}">
-        <p14:creationId xmlns:p14="http://schemas.microsoft.com/office/powerpoint/2010/main" val="440522179"/>
+        <p14:creationId xmlns:p14="http://schemas.microsoft.com/office/powerpoint/2010/main" val="2595068468"/>
       </p:ext>
     </p:extLst>
   </p:cSld>
@@ -1493,7 +1493,7 @@
           <p:cNvPr id="2" name="标题 1">
             <a:extLst>
               <a:ext uri="{FF2B5EF4-FFF2-40B4-BE49-F238E27FC236}">
-                <a16:creationId xmlns:a16="http://schemas.microsoft.com/office/drawing/2014/main" id="{207311E7-DEE4-99C6-51ED-AC26D5DA8E9A}"/>
+                <a16:creationId xmlns:a16="http://schemas.microsoft.com/office/drawing/2014/main" id="{D9E78D38-4419-7075-9B7D-72DA0D782CD6}"/>
               </a:ext>
             </a:extLst>
           </p:cNvPr>
@@ -1526,7 +1526,7 @@
           <p:cNvPr id="3" name="文本占位符 2">
             <a:extLst>
               <a:ext uri="{FF2B5EF4-FFF2-40B4-BE49-F238E27FC236}">
-                <a16:creationId xmlns:a16="http://schemas.microsoft.com/office/drawing/2014/main" id="{93EBF19C-EA67-CBC6-62ED-E22964145BC1}"/>
+                <a16:creationId xmlns:a16="http://schemas.microsoft.com/office/drawing/2014/main" id="{C16F019F-4FBB-4783-9754-FFF9D40F5B11}"/>
               </a:ext>
             </a:extLst>
           </p:cNvPr>
@@ -1597,7 +1597,7 @@
           <p:cNvPr id="4" name="内容占位符 3">
             <a:extLst>
               <a:ext uri="{FF2B5EF4-FFF2-40B4-BE49-F238E27FC236}">
-                <a16:creationId xmlns:a16="http://schemas.microsoft.com/office/drawing/2014/main" id="{1AC9A5F9-0D67-803A-7163-6D74E827EDE5}"/>
+                <a16:creationId xmlns:a16="http://schemas.microsoft.com/office/drawing/2014/main" id="{DFE9D1FD-7EAF-9A67-789E-18E8AC93E0F7}"/>
               </a:ext>
             </a:extLst>
           </p:cNvPr>
@@ -1659,7 +1659,7 @@
           <p:cNvPr id="5" name="文本占位符 4">
             <a:extLst>
               <a:ext uri="{FF2B5EF4-FFF2-40B4-BE49-F238E27FC236}">
-                <a16:creationId xmlns:a16="http://schemas.microsoft.com/office/drawing/2014/main" id="{37B955BD-1E13-E27D-F4A4-94458A1503C3}"/>
+                <a16:creationId xmlns:a16="http://schemas.microsoft.com/office/drawing/2014/main" id="{E09148DC-1CAD-EF59-E841-8F03827C7739}"/>
               </a:ext>
             </a:extLst>
           </p:cNvPr>
@@ -1730,7 +1730,7 @@
           <p:cNvPr id="6" name="内容占位符 5">
             <a:extLst>
               <a:ext uri="{FF2B5EF4-FFF2-40B4-BE49-F238E27FC236}">
-                <a16:creationId xmlns:a16="http://schemas.microsoft.com/office/drawing/2014/main" id="{7A8C2C8E-62C6-225B-D71D-86D814EF6056}"/>
+                <a16:creationId xmlns:a16="http://schemas.microsoft.com/office/drawing/2014/main" id="{B8376D3B-160E-4B87-1C8F-08D4068251D5}"/>
               </a:ext>
             </a:extLst>
           </p:cNvPr>
@@ -1792,7 +1792,7 @@
           <p:cNvPr id="7" name="日期占位符 6">
             <a:extLst>
               <a:ext uri="{FF2B5EF4-FFF2-40B4-BE49-F238E27FC236}">
-                <a16:creationId xmlns:a16="http://schemas.microsoft.com/office/drawing/2014/main" id="{FD643057-2EB3-0EB0-C3F1-3B043A5A196E}"/>
+                <a16:creationId xmlns:a16="http://schemas.microsoft.com/office/drawing/2014/main" id="{771B6EA1-0A33-887A-D34A-F62C2D6EA86F}"/>
               </a:ext>
             </a:extLst>
           </p:cNvPr>
@@ -1808,7 +1808,7 @@
           <a:bodyPr/>
           <a:lstStyle/>
           <a:p>
-            <a:fld id="{071E1961-E3C9-47AA-A0E7-3C03B95E6EE3}" type="datetimeFigureOut">
+            <a:fld id="{BB17FAE9-C3DF-4F6E-9776-D7FB675D4154}" type="datetimeFigureOut">
               <a:rPr lang="zh-CN" altLang="en-US" smtClean="0"/>
               <a:t>2024/3/10</a:t>
             </a:fld>
@@ -1821,7 +1821,7 @@
           <p:cNvPr id="8" name="页脚占位符 7">
             <a:extLst>
               <a:ext uri="{FF2B5EF4-FFF2-40B4-BE49-F238E27FC236}">
-                <a16:creationId xmlns:a16="http://schemas.microsoft.com/office/drawing/2014/main" id="{15167668-EF00-3D3C-DB06-BB0E13BC8712}"/>
+                <a16:creationId xmlns:a16="http://schemas.microsoft.com/office/drawing/2014/main" id="{1BE50DC1-58A5-D04F-F9D9-60BFF4197880}"/>
               </a:ext>
             </a:extLst>
           </p:cNvPr>
@@ -1846,7 +1846,7 @@
           <p:cNvPr id="9" name="灯片编号占位符 8">
             <a:extLst>
               <a:ext uri="{FF2B5EF4-FFF2-40B4-BE49-F238E27FC236}">
-                <a16:creationId xmlns:a16="http://schemas.microsoft.com/office/drawing/2014/main" id="{8A689193-EF24-13B5-8BE7-FAC7F674EC17}"/>
+                <a16:creationId xmlns:a16="http://schemas.microsoft.com/office/drawing/2014/main" id="{88F19727-B1AF-E53D-9113-2A0ED3CB979F}"/>
               </a:ext>
             </a:extLst>
           </p:cNvPr>
@@ -1862,7 +1862,7 @@
           <a:bodyPr/>
           <a:lstStyle/>
           <a:p>
-            <a:fld id="{18D37A1C-83F0-4AD9-AA7E-317C4B6D7C0A}" type="slidenum">
+            <a:fld id="{305A8EC4-61DF-4ABA-89A3-169075D6F986}" type="slidenum">
               <a:rPr lang="zh-CN" altLang="en-US" smtClean="0"/>
               <a:t>‹#›</a:t>
             </a:fld>
@@ -1873,7 +1873,7 @@
     </p:spTree>
     <p:extLst>
       <p:ext uri="{BB962C8B-B14F-4D97-AF65-F5344CB8AC3E}">
-        <p14:creationId xmlns:p14="http://schemas.microsoft.com/office/powerpoint/2010/main" val="3434042015"/>
+        <p14:creationId xmlns:p14="http://schemas.microsoft.com/office/powerpoint/2010/main" val="683538992"/>
       </p:ext>
     </p:extLst>
   </p:cSld>
@@ -1905,7 +1905,7 @@
           <p:cNvPr id="2" name="标题 1">
             <a:extLst>
               <a:ext uri="{FF2B5EF4-FFF2-40B4-BE49-F238E27FC236}">
-                <a16:creationId xmlns:a16="http://schemas.microsoft.com/office/drawing/2014/main" id="{60659427-3E5A-32BD-9EAF-7E8510615020}"/>
+                <a16:creationId xmlns:a16="http://schemas.microsoft.com/office/drawing/2014/main" id="{E32008B1-BE6F-7CF1-4AC6-0BEB83CB25D2}"/>
               </a:ext>
             </a:extLst>
           </p:cNvPr>
@@ -1933,7 +1933,7 @@
           <p:cNvPr id="3" name="日期占位符 2">
             <a:extLst>
               <a:ext uri="{FF2B5EF4-FFF2-40B4-BE49-F238E27FC236}">
-                <a16:creationId xmlns:a16="http://schemas.microsoft.com/office/drawing/2014/main" id="{0A15C4FA-6D82-1FA9-91AB-8C308C8B4D2A}"/>
+                <a16:creationId xmlns:a16="http://schemas.microsoft.com/office/drawing/2014/main" id="{82A14AF2-75E1-5823-291E-C35798852C9B}"/>
               </a:ext>
             </a:extLst>
           </p:cNvPr>
@@ -1949,7 +1949,7 @@
           <a:bodyPr/>
           <a:lstStyle/>
           <a:p>
-            <a:fld id="{071E1961-E3C9-47AA-A0E7-3C03B95E6EE3}" type="datetimeFigureOut">
+            <a:fld id="{BB17FAE9-C3DF-4F6E-9776-D7FB675D4154}" type="datetimeFigureOut">
               <a:rPr lang="zh-CN" altLang="en-US" smtClean="0"/>
               <a:t>2024/3/10</a:t>
             </a:fld>
@@ -1962,7 +1962,7 @@
           <p:cNvPr id="4" name="页脚占位符 3">
             <a:extLst>
               <a:ext uri="{FF2B5EF4-FFF2-40B4-BE49-F238E27FC236}">
-                <a16:creationId xmlns:a16="http://schemas.microsoft.com/office/drawing/2014/main" id="{1D1D354E-5BBA-5B73-ECF2-24343C1703F8}"/>
+                <a16:creationId xmlns:a16="http://schemas.microsoft.com/office/drawing/2014/main" id="{88A90CDB-A4EB-C3EF-6956-F029DFE85C4C}"/>
               </a:ext>
             </a:extLst>
           </p:cNvPr>
@@ -1987,7 +1987,7 @@
           <p:cNvPr id="5" name="灯片编号占位符 4">
             <a:extLst>
               <a:ext uri="{FF2B5EF4-FFF2-40B4-BE49-F238E27FC236}">
-                <a16:creationId xmlns:a16="http://schemas.microsoft.com/office/drawing/2014/main" id="{66C009A0-8F5A-7D5C-1AA4-20B6A2504C56}"/>
+                <a16:creationId xmlns:a16="http://schemas.microsoft.com/office/drawing/2014/main" id="{7CB0CA90-E87F-12CC-53FB-B3BC2055EE2D}"/>
               </a:ext>
             </a:extLst>
           </p:cNvPr>
@@ -2003,7 +2003,7 @@
           <a:bodyPr/>
           <a:lstStyle/>
           <a:p>
-            <a:fld id="{18D37A1C-83F0-4AD9-AA7E-317C4B6D7C0A}" type="slidenum">
+            <a:fld id="{305A8EC4-61DF-4ABA-89A3-169075D6F986}" type="slidenum">
               <a:rPr lang="zh-CN" altLang="en-US" smtClean="0"/>
               <a:t>‹#›</a:t>
             </a:fld>
@@ -2014,7 +2014,7 @@
     </p:spTree>
     <p:extLst>
       <p:ext uri="{BB962C8B-B14F-4D97-AF65-F5344CB8AC3E}">
-        <p14:creationId xmlns:p14="http://schemas.microsoft.com/office/powerpoint/2010/main" val="637681251"/>
+        <p14:creationId xmlns:p14="http://schemas.microsoft.com/office/powerpoint/2010/main" val="4020310162"/>
       </p:ext>
     </p:extLst>
   </p:cSld>
@@ -2046,7 +2046,7 @@
           <p:cNvPr id="2" name="日期占位符 1">
             <a:extLst>
               <a:ext uri="{FF2B5EF4-FFF2-40B4-BE49-F238E27FC236}">
-                <a16:creationId xmlns:a16="http://schemas.microsoft.com/office/drawing/2014/main" id="{C8B09EC6-E88B-1CAD-3E9D-68ED4D53BE4F}"/>
+                <a16:creationId xmlns:a16="http://schemas.microsoft.com/office/drawing/2014/main" id="{55CCA75D-DBA0-6CB4-D976-BBF95B753433}"/>
               </a:ext>
             </a:extLst>
           </p:cNvPr>
@@ -2062,7 +2062,7 @@
           <a:bodyPr/>
           <a:lstStyle/>
           <a:p>
-            <a:fld id="{071E1961-E3C9-47AA-A0E7-3C03B95E6EE3}" type="datetimeFigureOut">
+            <a:fld id="{BB17FAE9-C3DF-4F6E-9776-D7FB675D4154}" type="datetimeFigureOut">
               <a:rPr lang="zh-CN" altLang="en-US" smtClean="0"/>
               <a:t>2024/3/10</a:t>
             </a:fld>
@@ -2075,7 +2075,7 @@
           <p:cNvPr id="3" name="页脚占位符 2">
             <a:extLst>
               <a:ext uri="{FF2B5EF4-FFF2-40B4-BE49-F238E27FC236}">
-                <a16:creationId xmlns:a16="http://schemas.microsoft.com/office/drawing/2014/main" id="{67311078-D4AC-D145-59BC-5DBE3D61E391}"/>
+                <a16:creationId xmlns:a16="http://schemas.microsoft.com/office/drawing/2014/main" id="{55CA493D-A5B5-2CB3-AB23-DA7B3D4E9397}"/>
               </a:ext>
             </a:extLst>
           </p:cNvPr>
@@ -2100,7 +2100,7 @@
           <p:cNvPr id="4" name="灯片编号占位符 3">
             <a:extLst>
               <a:ext uri="{FF2B5EF4-FFF2-40B4-BE49-F238E27FC236}">
-                <a16:creationId xmlns:a16="http://schemas.microsoft.com/office/drawing/2014/main" id="{EB664B7D-2803-63BE-8445-9B7A1137956A}"/>
+                <a16:creationId xmlns:a16="http://schemas.microsoft.com/office/drawing/2014/main" id="{9A6E7033-4A18-D2A9-FCA5-644DB4AF99E8}"/>
               </a:ext>
             </a:extLst>
           </p:cNvPr>
@@ -2116,7 +2116,7 @@
           <a:bodyPr/>
           <a:lstStyle/>
           <a:p>
-            <a:fld id="{18D37A1C-83F0-4AD9-AA7E-317C4B6D7C0A}" type="slidenum">
+            <a:fld id="{305A8EC4-61DF-4ABA-89A3-169075D6F986}" type="slidenum">
               <a:rPr lang="zh-CN" altLang="en-US" smtClean="0"/>
               <a:t>‹#›</a:t>
             </a:fld>
@@ -2127,7 +2127,7 @@
     </p:spTree>
     <p:extLst>
       <p:ext uri="{BB962C8B-B14F-4D97-AF65-F5344CB8AC3E}">
-        <p14:creationId xmlns:p14="http://schemas.microsoft.com/office/powerpoint/2010/main" val="714936625"/>
+        <p14:creationId xmlns:p14="http://schemas.microsoft.com/office/powerpoint/2010/main" val="1160808269"/>
       </p:ext>
     </p:extLst>
   </p:cSld>
@@ -2159,7 +2159,7 @@
           <p:cNvPr id="2" name="标题 1">
             <a:extLst>
               <a:ext uri="{FF2B5EF4-FFF2-40B4-BE49-F238E27FC236}">
-                <a16:creationId xmlns:a16="http://schemas.microsoft.com/office/drawing/2014/main" id="{8BC44252-D255-58F2-4896-A6EF4C9D4707}"/>
+                <a16:creationId xmlns:a16="http://schemas.microsoft.com/office/drawing/2014/main" id="{48263DE2-5762-5746-EB04-3AAAABE03795}"/>
               </a:ext>
             </a:extLst>
           </p:cNvPr>
@@ -2196,7 +2196,7 @@
           <p:cNvPr id="3" name="内容占位符 2">
             <a:extLst>
               <a:ext uri="{FF2B5EF4-FFF2-40B4-BE49-F238E27FC236}">
-                <a16:creationId xmlns:a16="http://schemas.microsoft.com/office/drawing/2014/main" id="{EAAC9EDF-7850-0A72-B478-3421D103805C}"/>
+                <a16:creationId xmlns:a16="http://schemas.microsoft.com/office/drawing/2014/main" id="{1B4255A3-F3B1-D72B-E1BE-CEAF0DF89FB8}"/>
               </a:ext>
             </a:extLst>
           </p:cNvPr>
@@ -2286,7 +2286,7 @@
           <p:cNvPr id="4" name="文本占位符 3">
             <a:extLst>
               <a:ext uri="{FF2B5EF4-FFF2-40B4-BE49-F238E27FC236}">
-                <a16:creationId xmlns:a16="http://schemas.microsoft.com/office/drawing/2014/main" id="{C5853A8F-3B30-B682-1F59-488B64F75E56}"/>
+                <a16:creationId xmlns:a16="http://schemas.microsoft.com/office/drawing/2014/main" id="{F39C0F7F-D353-7871-0780-F3CBE0BA3CBB}"/>
               </a:ext>
             </a:extLst>
           </p:cNvPr>
@@ -2357,7 +2357,7 @@
           <p:cNvPr id="5" name="日期占位符 4">
             <a:extLst>
               <a:ext uri="{FF2B5EF4-FFF2-40B4-BE49-F238E27FC236}">
-                <a16:creationId xmlns:a16="http://schemas.microsoft.com/office/drawing/2014/main" id="{6B2C6FC7-556C-D901-1257-35D559DC1B71}"/>
+                <a16:creationId xmlns:a16="http://schemas.microsoft.com/office/drawing/2014/main" id="{D6FC6B36-84B7-7023-EBEC-491A09D09053}"/>
               </a:ext>
             </a:extLst>
           </p:cNvPr>
@@ -2373,7 +2373,7 @@
           <a:bodyPr/>
           <a:lstStyle/>
           <a:p>
-            <a:fld id="{071E1961-E3C9-47AA-A0E7-3C03B95E6EE3}" type="datetimeFigureOut">
+            <a:fld id="{BB17FAE9-C3DF-4F6E-9776-D7FB675D4154}" type="datetimeFigureOut">
               <a:rPr lang="zh-CN" altLang="en-US" smtClean="0"/>
               <a:t>2024/3/10</a:t>
             </a:fld>
@@ -2386,7 +2386,7 @@
           <p:cNvPr id="6" name="页脚占位符 5">
             <a:extLst>
               <a:ext uri="{FF2B5EF4-FFF2-40B4-BE49-F238E27FC236}">
-                <a16:creationId xmlns:a16="http://schemas.microsoft.com/office/drawing/2014/main" id="{F6B7711A-7272-DEC0-AE02-AFC376803717}"/>
+                <a16:creationId xmlns:a16="http://schemas.microsoft.com/office/drawing/2014/main" id="{407E3E4A-1809-8CE4-BD01-74F18F7114CB}"/>
               </a:ext>
             </a:extLst>
           </p:cNvPr>
@@ -2411,7 +2411,7 @@
           <p:cNvPr id="7" name="灯片编号占位符 6">
             <a:extLst>
               <a:ext uri="{FF2B5EF4-FFF2-40B4-BE49-F238E27FC236}">
-                <a16:creationId xmlns:a16="http://schemas.microsoft.com/office/drawing/2014/main" id="{FCD58FAF-B9F3-7D56-0AC7-B8FB1F395B12}"/>
+                <a16:creationId xmlns:a16="http://schemas.microsoft.com/office/drawing/2014/main" id="{1D5E3D76-2A31-FA46-E52B-3F8B13E64778}"/>
               </a:ext>
             </a:extLst>
           </p:cNvPr>
@@ -2427,7 +2427,7 @@
           <a:bodyPr/>
           <a:lstStyle/>
           <a:p>
-            <a:fld id="{18D37A1C-83F0-4AD9-AA7E-317C4B6D7C0A}" type="slidenum">
+            <a:fld id="{305A8EC4-61DF-4ABA-89A3-169075D6F986}" type="slidenum">
               <a:rPr lang="zh-CN" altLang="en-US" smtClean="0"/>
               <a:t>‹#›</a:t>
             </a:fld>
@@ -2438,7 +2438,7 @@
     </p:spTree>
     <p:extLst>
       <p:ext uri="{BB962C8B-B14F-4D97-AF65-F5344CB8AC3E}">
-        <p14:creationId xmlns:p14="http://schemas.microsoft.com/office/powerpoint/2010/main" val="3211907687"/>
+        <p14:creationId xmlns:p14="http://schemas.microsoft.com/office/powerpoint/2010/main" val="85277839"/>
       </p:ext>
     </p:extLst>
   </p:cSld>
@@ -2470,7 +2470,7 @@
           <p:cNvPr id="2" name="标题 1">
             <a:extLst>
               <a:ext uri="{FF2B5EF4-FFF2-40B4-BE49-F238E27FC236}">
-                <a16:creationId xmlns:a16="http://schemas.microsoft.com/office/drawing/2014/main" id="{AEE8454A-C1D0-B64B-E0BA-7488A6E5946C}"/>
+                <a16:creationId xmlns:a16="http://schemas.microsoft.com/office/drawing/2014/main" id="{E352C5D1-F261-4489-A828-660055176404}"/>
               </a:ext>
             </a:extLst>
           </p:cNvPr>
@@ -2507,7 +2507,7 @@
           <p:cNvPr id="3" name="图片占位符 2">
             <a:extLst>
               <a:ext uri="{FF2B5EF4-FFF2-40B4-BE49-F238E27FC236}">
-                <a16:creationId xmlns:a16="http://schemas.microsoft.com/office/drawing/2014/main" id="{BE7C7AD2-0FAA-3899-ABC4-41F82EC2199C}"/>
+                <a16:creationId xmlns:a16="http://schemas.microsoft.com/office/drawing/2014/main" id="{0F604FC7-28CE-8162-B90F-09501B95F158}"/>
               </a:ext>
             </a:extLst>
           </p:cNvPr>
@@ -2574,7 +2574,7 @@
           <p:cNvPr id="4" name="文本占位符 3">
             <a:extLst>
               <a:ext uri="{FF2B5EF4-FFF2-40B4-BE49-F238E27FC236}">
-                <a16:creationId xmlns:a16="http://schemas.microsoft.com/office/drawing/2014/main" id="{D5B39FFC-CD15-F42C-986D-B9730A0C8537}"/>
+                <a16:creationId xmlns:a16="http://schemas.microsoft.com/office/drawing/2014/main" id="{7FBCEC0E-D2DC-71A2-45C9-2C98A085B47B}"/>
               </a:ext>
             </a:extLst>
           </p:cNvPr>
@@ -2645,7 +2645,7 @@
           <p:cNvPr id="5" name="日期占位符 4">
             <a:extLst>
               <a:ext uri="{FF2B5EF4-FFF2-40B4-BE49-F238E27FC236}">
-                <a16:creationId xmlns:a16="http://schemas.microsoft.com/office/drawing/2014/main" id="{D2CFDAB7-CF96-A1A9-1C3F-A8CD523F46EC}"/>
+                <a16:creationId xmlns:a16="http://schemas.microsoft.com/office/drawing/2014/main" id="{E44F4C69-CDD6-A16D-3F64-50906D5F0D47}"/>
               </a:ext>
             </a:extLst>
           </p:cNvPr>
@@ -2661,7 +2661,7 @@
           <a:bodyPr/>
           <a:lstStyle/>
           <a:p>
-            <a:fld id="{071E1961-E3C9-47AA-A0E7-3C03B95E6EE3}" type="datetimeFigureOut">
+            <a:fld id="{BB17FAE9-C3DF-4F6E-9776-D7FB675D4154}" type="datetimeFigureOut">
               <a:rPr lang="zh-CN" altLang="en-US" smtClean="0"/>
               <a:t>2024/3/10</a:t>
             </a:fld>
@@ -2674,7 +2674,7 @@
           <p:cNvPr id="6" name="页脚占位符 5">
             <a:extLst>
               <a:ext uri="{FF2B5EF4-FFF2-40B4-BE49-F238E27FC236}">
-                <a16:creationId xmlns:a16="http://schemas.microsoft.com/office/drawing/2014/main" id="{871030DE-D59B-1C97-6CDA-08AF9F964F9A}"/>
+                <a16:creationId xmlns:a16="http://schemas.microsoft.com/office/drawing/2014/main" id="{FEE6B87B-0455-F900-C0E2-ED7C3CB2DF47}"/>
               </a:ext>
             </a:extLst>
           </p:cNvPr>
@@ -2699,7 +2699,7 @@
           <p:cNvPr id="7" name="灯片编号占位符 6">
             <a:extLst>
               <a:ext uri="{FF2B5EF4-FFF2-40B4-BE49-F238E27FC236}">
-                <a16:creationId xmlns:a16="http://schemas.microsoft.com/office/drawing/2014/main" id="{82AEA99B-6FAE-52BF-4606-C2A8C4B1D468}"/>
+                <a16:creationId xmlns:a16="http://schemas.microsoft.com/office/drawing/2014/main" id="{10CAB35A-7DD6-1467-45CF-4792863C6262}"/>
               </a:ext>
             </a:extLst>
           </p:cNvPr>
@@ -2715,7 +2715,7 @@
           <a:bodyPr/>
           <a:lstStyle/>
           <a:p>
-            <a:fld id="{18D37A1C-83F0-4AD9-AA7E-317C4B6D7C0A}" type="slidenum">
+            <a:fld id="{305A8EC4-61DF-4ABA-89A3-169075D6F986}" type="slidenum">
               <a:rPr lang="zh-CN" altLang="en-US" smtClean="0"/>
               <a:t>‹#›</a:t>
             </a:fld>
@@ -2726,7 +2726,7 @@
     </p:spTree>
     <p:extLst>
       <p:ext uri="{BB962C8B-B14F-4D97-AF65-F5344CB8AC3E}">
-        <p14:creationId xmlns:p14="http://schemas.microsoft.com/office/powerpoint/2010/main" val="1869868954"/>
+        <p14:creationId xmlns:p14="http://schemas.microsoft.com/office/powerpoint/2010/main" val="776220506"/>
       </p:ext>
     </p:extLst>
   </p:cSld>
@@ -2763,7 +2763,7 @@
           <p:cNvPr id="2" name="标题占位符 1">
             <a:extLst>
               <a:ext uri="{FF2B5EF4-FFF2-40B4-BE49-F238E27FC236}">
-                <a16:creationId xmlns:a16="http://schemas.microsoft.com/office/drawing/2014/main" id="{3C382EB2-D769-C1B1-6DF8-B198E5DDC449}"/>
+                <a16:creationId xmlns:a16="http://schemas.microsoft.com/office/drawing/2014/main" id="{0E4D8590-705F-CDC5-928B-BCC90DAAB66E}"/>
               </a:ext>
             </a:extLst>
           </p:cNvPr>
@@ -2801,7 +2801,7 @@
           <p:cNvPr id="3" name="文本占位符 2">
             <a:extLst>
               <a:ext uri="{FF2B5EF4-FFF2-40B4-BE49-F238E27FC236}">
-                <a16:creationId xmlns:a16="http://schemas.microsoft.com/office/drawing/2014/main" id="{FB03F16F-3D89-CB86-3FE2-053BBA5AA0D4}"/>
+                <a16:creationId xmlns:a16="http://schemas.microsoft.com/office/drawing/2014/main" id="{B6E231AA-BA7E-4BF3-5D9B-E3086DDF65FC}"/>
               </a:ext>
             </a:extLst>
           </p:cNvPr>
@@ -2868,7 +2868,7 @@
           <p:cNvPr id="4" name="日期占位符 3">
             <a:extLst>
               <a:ext uri="{FF2B5EF4-FFF2-40B4-BE49-F238E27FC236}">
-                <a16:creationId xmlns:a16="http://schemas.microsoft.com/office/drawing/2014/main" id="{0F682A08-F433-E330-5C45-65329CCFB1D6}"/>
+                <a16:creationId xmlns:a16="http://schemas.microsoft.com/office/drawing/2014/main" id="{E1B6910C-3CA2-1AD0-F2C0-104C73C87A6E}"/>
               </a:ext>
             </a:extLst>
           </p:cNvPr>
@@ -2902,7 +2902,7 @@
             </a:lvl1pPr>
           </a:lstStyle>
           <a:p>
-            <a:fld id="{071E1961-E3C9-47AA-A0E7-3C03B95E6EE3}" type="datetimeFigureOut">
+            <a:fld id="{BB17FAE9-C3DF-4F6E-9776-D7FB675D4154}" type="datetimeFigureOut">
               <a:rPr lang="zh-CN" altLang="en-US" smtClean="0"/>
               <a:t>2024/3/10</a:t>
             </a:fld>
@@ -2915,7 +2915,7 @@
           <p:cNvPr id="5" name="页脚占位符 4">
             <a:extLst>
               <a:ext uri="{FF2B5EF4-FFF2-40B4-BE49-F238E27FC236}">
-                <a16:creationId xmlns:a16="http://schemas.microsoft.com/office/drawing/2014/main" id="{00B05656-DDA3-113A-2295-6E02C4FF2070}"/>
+                <a16:creationId xmlns:a16="http://schemas.microsoft.com/office/drawing/2014/main" id="{79B99C66-A76D-BA31-5227-AA28E776C806}"/>
               </a:ext>
             </a:extLst>
           </p:cNvPr>
@@ -2958,7 +2958,7 @@
           <p:cNvPr id="6" name="灯片编号占位符 5">
             <a:extLst>
               <a:ext uri="{FF2B5EF4-FFF2-40B4-BE49-F238E27FC236}">
-                <a16:creationId xmlns:a16="http://schemas.microsoft.com/office/drawing/2014/main" id="{64846D40-757F-600F-7E8C-A7BD3822AEE8}"/>
+                <a16:creationId xmlns:a16="http://schemas.microsoft.com/office/drawing/2014/main" id="{87FC1FD1-E998-28C7-B071-2BDF1BE4B19A}"/>
               </a:ext>
             </a:extLst>
           </p:cNvPr>
@@ -2992,7 +2992,7 @@
             </a:lvl1pPr>
           </a:lstStyle>
           <a:p>
-            <a:fld id="{18D37A1C-83F0-4AD9-AA7E-317C4B6D7C0A}" type="slidenum">
+            <a:fld id="{305A8EC4-61DF-4ABA-89A3-169075D6F986}" type="slidenum">
               <a:rPr lang="zh-CN" altLang="en-US" smtClean="0"/>
               <a:t>‹#›</a:t>
             </a:fld>
@@ -3003,7 +3003,7 @@
     </p:spTree>
     <p:extLst>
       <p:ext uri="{BB962C8B-B14F-4D97-AF65-F5344CB8AC3E}">
-        <p14:creationId xmlns:p14="http://schemas.microsoft.com/office/powerpoint/2010/main" val="262075267"/>
+        <p14:creationId xmlns:p14="http://schemas.microsoft.com/office/powerpoint/2010/main" val="796995871"/>
       </p:ext>
     </p:extLst>
   </p:cSld>
